--- a/resources/presentations/BrainhackDC2020-Pitch.pptx
+++ b/resources/presentations/BrainhackDC2020-Pitch.pptx
@@ -5,7 +5,7 @@
     <p:sldMasterId id="2147483648" r:id="rId1"/>
   </p:sldMasterIdLst>
   <p:notesMasterIdLst>
-    <p:notesMasterId r:id="rId13"/>
+    <p:notesMasterId r:id="rId14"/>
   </p:notesMasterIdLst>
   <p:sldIdLst>
     <p:sldId id="256" r:id="rId2"/>
@@ -17,8 +17,9 @@
     <p:sldId id="259" r:id="rId8"/>
     <p:sldId id="264" r:id="rId9"/>
     <p:sldId id="263" r:id="rId10"/>
-    <p:sldId id="265" r:id="rId11"/>
-    <p:sldId id="266" r:id="rId12"/>
+    <p:sldId id="267" r:id="rId11"/>
+    <p:sldId id="265" r:id="rId12"/>
+    <p:sldId id="266" r:id="rId13"/>
   </p:sldIdLst>
   <p:sldSz cx="12192000" cy="6858000"/>
   <p:notesSz cx="6858000" cy="9144000"/>
@@ -3813,6 +3814,246 @@
           <a:chExt cx="0" cy="0"/>
         </a:xfrm>
       </p:grpSpPr>
+      <p:pic>
+        <p:nvPicPr>
+          <p:cNvPr id="7" name="Picture 6"/>
+          <p:cNvPicPr>
+            <a:picLocks noChangeAspect="1"/>
+          </p:cNvPicPr>
+          <p:nvPr/>
+        </p:nvPicPr>
+        <p:blipFill>
+          <a:blip r:embed="rId2"/>
+          <a:stretch>
+            <a:fillRect/>
+          </a:stretch>
+        </p:blipFill>
+        <p:spPr>
+          <a:xfrm>
+            <a:off x="6391275" y="1806238"/>
+            <a:ext cx="4962525" cy="4149593"/>
+          </a:xfrm>
+          <a:prstGeom prst="rect">
+            <a:avLst/>
+          </a:prstGeom>
+          <a:ln>
+            <a:solidFill>
+              <a:schemeClr val="tx1"/>
+            </a:solidFill>
+          </a:ln>
+          <a:effectLst>
+            <a:outerShdw blurRad="50800" dist="38100" dir="2700000" algn="tl" rotWithShape="0">
+              <a:prstClr val="black">
+                <a:alpha val="40000"/>
+              </a:prstClr>
+            </a:outerShdw>
+          </a:effectLst>
+        </p:spPr>
+      </p:pic>
+      <p:cxnSp>
+        <p:nvCxnSpPr>
+          <p:cNvPr id="11" name="Straight Arrow Connector 10"/>
+          <p:cNvCxnSpPr/>
+          <p:nvPr/>
+        </p:nvCxnSpPr>
+        <p:spPr>
+          <a:xfrm>
+            <a:off x="5043055" y="3881034"/>
+            <a:ext cx="939030" cy="0"/>
+          </a:xfrm>
+          <a:prstGeom prst="straightConnector1">
+            <a:avLst/>
+          </a:prstGeom>
+          <a:ln w="123825">
+            <a:solidFill>
+              <a:schemeClr val="tx1"/>
+            </a:solidFill>
+            <a:tailEnd type="triangle"/>
+          </a:ln>
+        </p:spPr>
+        <p:style>
+          <a:lnRef idx="1">
+            <a:schemeClr val="accent1"/>
+          </a:lnRef>
+          <a:fillRef idx="0">
+            <a:schemeClr val="accent1"/>
+          </a:fillRef>
+          <a:effectRef idx="0">
+            <a:schemeClr val="accent1"/>
+          </a:effectRef>
+          <a:fontRef idx="minor">
+            <a:schemeClr val="tx1"/>
+          </a:fontRef>
+        </p:style>
+      </p:cxnSp>
+      <p:pic>
+        <p:nvPicPr>
+          <p:cNvPr id="14" name="Picture 13"/>
+          <p:cNvPicPr>
+            <a:picLocks noChangeAspect="1"/>
+          </p:cNvPicPr>
+          <p:nvPr/>
+        </p:nvPicPr>
+        <p:blipFill>
+          <a:blip r:embed="rId3"/>
+          <a:stretch>
+            <a:fillRect/>
+          </a:stretch>
+        </p:blipFill>
+        <p:spPr>
+          <a:xfrm>
+            <a:off x="1004840" y="1552171"/>
+            <a:ext cx="3629025" cy="4657725"/>
+          </a:xfrm>
+          <a:prstGeom prst="rect">
+            <a:avLst/>
+          </a:prstGeom>
+          <a:ln>
+            <a:solidFill>
+              <a:schemeClr val="tx1"/>
+            </a:solidFill>
+          </a:ln>
+          <a:effectLst>
+            <a:outerShdw blurRad="50800" dist="38100" dir="2700000" algn="tl" rotWithShape="0">
+              <a:prstClr val="black">
+                <a:alpha val="40000"/>
+              </a:prstClr>
+            </a:outerShdw>
+          </a:effectLst>
+        </p:spPr>
+      </p:pic>
+    </p:spTree>
+    <p:extLst>
+      <p:ext uri="{BB962C8B-B14F-4D97-AF65-F5344CB8AC3E}">
+        <p14:creationId xmlns:p14="http://schemas.microsoft.com/office/powerpoint/2010/main" val="1388318357"/>
+      </p:ext>
+    </p:extLst>
+  </p:cSld>
+  <p:clrMapOvr>
+    <a:masterClrMapping/>
+  </p:clrMapOvr>
+  <p:timing>
+    <p:tnLst>
+      <p:par>
+        <p:cTn id="1" dur="indefinite" restart="never" nodeType="tmRoot">
+          <p:childTnLst>
+            <p:seq concurrent="1" nextAc="seek">
+              <p:cTn id="2" dur="indefinite" nodeType="mainSeq">
+                <p:childTnLst>
+                  <p:par>
+                    <p:cTn id="3" fill="hold">
+                      <p:stCondLst>
+                        <p:cond delay="indefinite"/>
+                      </p:stCondLst>
+                      <p:childTnLst>
+                        <p:par>
+                          <p:cTn id="4" fill="hold">
+                            <p:stCondLst>
+                              <p:cond delay="0"/>
+                            </p:stCondLst>
+                            <p:childTnLst>
+                              <p:par>
+                                <p:cTn id="5" presetID="1" presetClass="entr" presetSubtype="0" fill="hold" nodeType="clickEffect">
+                                  <p:stCondLst>
+                                    <p:cond delay="0"/>
+                                  </p:stCondLst>
+                                  <p:childTnLst>
+                                    <p:set>
+                                      <p:cBhvr>
+                                        <p:cTn id="6" dur="1" fill="hold">
+                                          <p:stCondLst>
+                                            <p:cond delay="0"/>
+                                          </p:stCondLst>
+                                        </p:cTn>
+                                        <p:tgtEl>
+                                          <p:spTgt spid="7"/>
+                                        </p:tgtEl>
+                                        <p:attrNameLst>
+                                          <p:attrName>style.visibility</p:attrName>
+                                        </p:attrNameLst>
+                                      </p:cBhvr>
+                                      <p:to>
+                                        <p:strVal val="visible"/>
+                                      </p:to>
+                                    </p:set>
+                                  </p:childTnLst>
+                                </p:cTn>
+                              </p:par>
+                              <p:par>
+                                <p:cTn id="7" presetID="1" presetClass="entr" presetSubtype="0" fill="hold" nodeType="withEffect">
+                                  <p:stCondLst>
+                                    <p:cond delay="0"/>
+                                  </p:stCondLst>
+                                  <p:childTnLst>
+                                    <p:set>
+                                      <p:cBhvr>
+                                        <p:cTn id="8" dur="1" fill="hold">
+                                          <p:stCondLst>
+                                            <p:cond delay="0"/>
+                                          </p:stCondLst>
+                                        </p:cTn>
+                                        <p:tgtEl>
+                                          <p:spTgt spid="11"/>
+                                        </p:tgtEl>
+                                        <p:attrNameLst>
+                                          <p:attrName>style.visibility</p:attrName>
+                                        </p:attrNameLst>
+                                      </p:cBhvr>
+                                      <p:to>
+                                        <p:strVal val="visible"/>
+                                      </p:to>
+                                    </p:set>
+                                  </p:childTnLst>
+                                </p:cTn>
+                              </p:par>
+                            </p:childTnLst>
+                          </p:cTn>
+                        </p:par>
+                      </p:childTnLst>
+                    </p:cTn>
+                  </p:par>
+                </p:childTnLst>
+              </p:cTn>
+              <p:prevCondLst>
+                <p:cond evt="onPrev" delay="0">
+                  <p:tgtEl>
+                    <p:sldTgt/>
+                  </p:tgtEl>
+                </p:cond>
+              </p:prevCondLst>
+              <p:nextCondLst>
+                <p:cond evt="onNext" delay="0">
+                  <p:tgtEl>
+                    <p:sldTgt/>
+                  </p:tgtEl>
+                </p:cond>
+              </p:nextCondLst>
+            </p:seq>
+          </p:childTnLst>
+        </p:cTn>
+      </p:par>
+    </p:tnLst>
+  </p:timing>
+</p:sld>
+</file>
+
+<file path=ppt/slides/slide11.xml><?xml version="1.0" encoding="utf-8"?>
+<p:sld xmlns:a="http://schemas.openxmlformats.org/drawingml/2006/main" xmlns:r="http://schemas.openxmlformats.org/officeDocument/2006/relationships" xmlns:p="http://schemas.openxmlformats.org/presentationml/2006/main">
+  <p:cSld>
+    <p:spTree>
+      <p:nvGrpSpPr>
+        <p:cNvPr id="1" name=""/>
+        <p:cNvGrpSpPr/>
+        <p:nvPr/>
+      </p:nvGrpSpPr>
+      <p:grpSpPr>
+        <a:xfrm>
+          <a:off x="0" y="0"/>
+          <a:ext cx="0" cy="0"/>
+          <a:chOff x="0" y="0"/>
+          <a:chExt cx="0" cy="0"/>
+        </a:xfrm>
+      </p:grpSpPr>
       <p:sp>
         <p:nvSpPr>
           <p:cNvPr id="2" name="Title 1"/>
@@ -4014,7 +4255,7 @@
 </p:sld>
 </file>
 
-<file path=ppt/slides/slide11.xml><?xml version="1.0" encoding="utf-8"?>
+<file path=ppt/slides/slide12.xml><?xml version="1.0" encoding="utf-8"?>
 <p:sld xmlns:a="http://schemas.openxmlformats.org/drawingml/2006/main" xmlns:r="http://schemas.openxmlformats.org/officeDocument/2006/relationships" xmlns:p="http://schemas.openxmlformats.org/presentationml/2006/main">
   <p:cSld>
     <p:spTree>

--- a/resources/presentations/BrainhackDC2020-Pitch.pptx
+++ b/resources/presentations/BrainhackDC2020-Pitch.pptx
@@ -208,7 +208,7 @@
           <a:p>
             <a:fld id="{4F06E827-4CE6-48EA-907C-88A1F4DD1FFA}" type="datetimeFigureOut">
               <a:rPr lang="en-US" smtClean="0"/>
-              <a:t>12/11/2020</a:t>
+              <a:t>12/12/2020</a:t>
             </a:fld>
             <a:endParaRPr lang="en-US"/>
           </a:p>
@@ -691,7 +691,7 @@
           <a:p>
             <a:fld id="{146A0C9F-34E5-4093-B975-0D113E4C20F8}" type="datetimeFigureOut">
               <a:rPr lang="en-US" smtClean="0"/>
-              <a:t>12/11/2020</a:t>
+              <a:t>12/12/2020</a:t>
             </a:fld>
             <a:endParaRPr lang="en-US"/>
           </a:p>
@@ -861,7 +861,7 @@
           <a:p>
             <a:fld id="{146A0C9F-34E5-4093-B975-0D113E4C20F8}" type="datetimeFigureOut">
               <a:rPr lang="en-US" smtClean="0"/>
-              <a:t>12/11/2020</a:t>
+              <a:t>12/12/2020</a:t>
             </a:fld>
             <a:endParaRPr lang="en-US"/>
           </a:p>
@@ -1041,7 +1041,7 @@
           <a:p>
             <a:fld id="{146A0C9F-34E5-4093-B975-0D113E4C20F8}" type="datetimeFigureOut">
               <a:rPr lang="en-US" smtClean="0"/>
-              <a:t>12/11/2020</a:t>
+              <a:t>12/12/2020</a:t>
             </a:fld>
             <a:endParaRPr lang="en-US"/>
           </a:p>
@@ -1211,7 +1211,7 @@
           <a:p>
             <a:fld id="{146A0C9F-34E5-4093-B975-0D113E4C20F8}" type="datetimeFigureOut">
               <a:rPr lang="en-US" smtClean="0"/>
-              <a:t>12/11/2020</a:t>
+              <a:t>12/12/2020</a:t>
             </a:fld>
             <a:endParaRPr lang="en-US"/>
           </a:p>
@@ -1464,7 +1464,7 @@
           <a:p>
             <a:fld id="{146A0C9F-34E5-4093-B975-0D113E4C20F8}" type="datetimeFigureOut">
               <a:rPr lang="en-US" smtClean="0"/>
-              <a:t>12/11/2020</a:t>
+              <a:t>12/12/2020</a:t>
             </a:fld>
             <a:endParaRPr lang="en-US"/>
           </a:p>
@@ -1703,7 +1703,7 @@
           <a:p>
             <a:fld id="{146A0C9F-34E5-4093-B975-0D113E4C20F8}" type="datetimeFigureOut">
               <a:rPr lang="en-US" smtClean="0"/>
-              <a:t>12/11/2020</a:t>
+              <a:t>12/12/2020</a:t>
             </a:fld>
             <a:endParaRPr lang="en-US"/>
           </a:p>
@@ -2070,7 +2070,7 @@
           <a:p>
             <a:fld id="{146A0C9F-34E5-4093-B975-0D113E4C20F8}" type="datetimeFigureOut">
               <a:rPr lang="en-US" smtClean="0"/>
-              <a:t>12/11/2020</a:t>
+              <a:t>12/12/2020</a:t>
             </a:fld>
             <a:endParaRPr lang="en-US"/>
           </a:p>
@@ -2188,7 +2188,7 @@
           <a:p>
             <a:fld id="{146A0C9F-34E5-4093-B975-0D113E4C20F8}" type="datetimeFigureOut">
               <a:rPr lang="en-US" smtClean="0"/>
-              <a:t>12/11/2020</a:t>
+              <a:t>12/12/2020</a:t>
             </a:fld>
             <a:endParaRPr lang="en-US"/>
           </a:p>
@@ -2283,7 +2283,7 @@
           <a:p>
             <a:fld id="{146A0C9F-34E5-4093-B975-0D113E4C20F8}" type="datetimeFigureOut">
               <a:rPr lang="en-US" smtClean="0"/>
-              <a:t>12/11/2020</a:t>
+              <a:t>12/12/2020</a:t>
             </a:fld>
             <a:endParaRPr lang="en-US"/>
           </a:p>
@@ -2560,7 +2560,7 @@
           <a:p>
             <a:fld id="{146A0C9F-34E5-4093-B975-0D113E4C20F8}" type="datetimeFigureOut">
               <a:rPr lang="en-US" smtClean="0"/>
-              <a:t>12/11/2020</a:t>
+              <a:t>12/12/2020</a:t>
             </a:fld>
             <a:endParaRPr lang="en-US"/>
           </a:p>
@@ -2813,7 +2813,7 @@
           <a:p>
             <a:fld id="{146A0C9F-34E5-4093-B975-0D113E4C20F8}" type="datetimeFigureOut">
               <a:rPr lang="en-US" smtClean="0"/>
-              <a:t>12/11/2020</a:t>
+              <a:t>12/12/2020</a:t>
             </a:fld>
             <a:endParaRPr lang="en-US"/>
           </a:p>
@@ -3032,7 +3032,7 @@
           <a:p>
             <a:fld id="{146A0C9F-34E5-4093-B975-0D113E4C20F8}" type="datetimeFigureOut">
               <a:rPr lang="en-US" smtClean="0"/>
-              <a:t>12/11/2020</a:t>
+              <a:t>12/12/2020</a:t>
             </a:fld>
             <a:endParaRPr lang="en-US"/>
           </a:p>
@@ -3660,7 +3660,6 @@
                     <a:lumMod val="50000"/>
                   </a:schemeClr>
                 </a:solidFill>
-                <a:latin typeface="Indie Flower" panose="02000000000000000000" pitchFamily="2" charset="0"/>
               </a:rPr>
               <a:t>Project leader: Shawn Rhoads</a:t>
             </a:r>
@@ -3674,7 +3673,6 @@
                     <a:lumMod val="50000"/>
                   </a:schemeClr>
                 </a:solidFill>
-                <a:latin typeface="Indie Flower" panose="02000000000000000000" pitchFamily="2" charset="0"/>
               </a:rPr>
               <a:t>    </a:t>
             </a:r>
@@ -3685,7 +3683,6 @@
                     <a:lumMod val="50000"/>
                   </a:schemeClr>
                 </a:solidFill>
-                <a:latin typeface="Indie Flower" panose="02000000000000000000" pitchFamily="2" charset="0"/>
               </a:rPr>
               <a:t>@ShawnRhoads56</a:t>
             </a:r>
@@ -3699,7 +3696,6 @@
                     <a:lumMod val="50000"/>
                   </a:schemeClr>
                 </a:solidFill>
-                <a:latin typeface="Indie Flower" panose="02000000000000000000" pitchFamily="2" charset="0"/>
               </a:rPr>
               <a:t>Mattermost</a:t>
             </a:r>
@@ -3710,7 +3706,6 @@
                     <a:lumMod val="50000"/>
                   </a:schemeClr>
                 </a:solidFill>
-                <a:latin typeface="Indie Flower" panose="02000000000000000000" pitchFamily="2" charset="0"/>
               </a:rPr>
               <a:t>, GitHub: </a:t>
             </a:r>
@@ -3721,7 +3716,6 @@
                     <a:lumMod val="50000"/>
                   </a:schemeClr>
                 </a:solidFill>
-                <a:latin typeface="Indie Flower" panose="02000000000000000000" pitchFamily="2" charset="0"/>
               </a:rPr>
               <a:t>@</a:t>
             </a:r>
@@ -3732,7 +3726,6 @@
                     <a:lumMod val="50000"/>
                   </a:schemeClr>
                 </a:solidFill>
-                <a:latin typeface="Indie Flower" panose="02000000000000000000" pitchFamily="2" charset="0"/>
               </a:rPr>
               <a:t>shawnrhoads</a:t>
             </a:r>
@@ -3742,7 +3735,6 @@
                   <a:lumMod val="50000"/>
                 </a:schemeClr>
               </a:solidFill>
-              <a:latin typeface="Indie Flower" panose="02000000000000000000" pitchFamily="2" charset="0"/>
             </a:endParaRPr>
           </a:p>
         </p:txBody>
@@ -3769,7 +3761,7 @@
         </p:blipFill>
         <p:spPr>
           <a:xfrm>
-            <a:off x="9390003" y="3756213"/>
+            <a:off x="9288404" y="3823945"/>
             <a:ext cx="438720" cy="268258"/>
           </a:xfrm>
           <a:prstGeom prst="rect">
